--- a/thesis/poster.pptx
+++ b/thesis/poster.pptx
@@ -240,7 +240,7 @@
           <a:lstStyle/>
           <a:p>
             <a:fld id="{2EB9D7B5-541E-7D4D-B8F4-D4B5922261F9}" type="datetimeFigureOut">
-              <a:t>6/10/19</a:t>
+              <a:t>6/19/19</a:t>
             </a:fld>
             <a:endParaRPr lang="en-US"/>
           </a:p>
@@ -406,7 +406,7 @@
           <a:lstStyle/>
           <a:p>
             <a:fld id="{2EB9D7B5-541E-7D4D-B8F4-D4B5922261F9}" type="datetimeFigureOut">
-              <a:t>6/10/19</a:t>
+              <a:t>6/19/19</a:t>
             </a:fld>
             <a:endParaRPr lang="en-US"/>
           </a:p>
@@ -582,7 +582,7 @@
           <a:lstStyle/>
           <a:p>
             <a:fld id="{2EB9D7B5-541E-7D4D-B8F4-D4B5922261F9}" type="datetimeFigureOut">
-              <a:t>6/10/19</a:t>
+              <a:t>6/19/19</a:t>
             </a:fld>
             <a:endParaRPr lang="en-US"/>
           </a:p>
@@ -748,7 +748,7 @@
           <a:lstStyle/>
           <a:p>
             <a:fld id="{2EB9D7B5-541E-7D4D-B8F4-D4B5922261F9}" type="datetimeFigureOut">
-              <a:t>6/10/19</a:t>
+              <a:t>6/19/19</a:t>
             </a:fld>
             <a:endParaRPr lang="en-US"/>
           </a:p>
@@ -989,7 +989,7 @@
           <a:lstStyle/>
           <a:p>
             <a:fld id="{2EB9D7B5-541E-7D4D-B8F4-D4B5922261F9}" type="datetimeFigureOut">
-              <a:t>6/10/19</a:t>
+              <a:t>6/19/19</a:t>
             </a:fld>
             <a:endParaRPr lang="en-US"/>
           </a:p>
@@ -1216,7 +1216,7 @@
           <a:lstStyle/>
           <a:p>
             <a:fld id="{2EB9D7B5-541E-7D4D-B8F4-D4B5922261F9}" type="datetimeFigureOut">
-              <a:t>6/10/19</a:t>
+              <a:t>6/19/19</a:t>
             </a:fld>
             <a:endParaRPr lang="en-US"/>
           </a:p>
@@ -1578,7 +1578,7 @@
           <a:lstStyle/>
           <a:p>
             <a:fld id="{2EB9D7B5-541E-7D4D-B8F4-D4B5922261F9}" type="datetimeFigureOut">
-              <a:t>6/10/19</a:t>
+              <a:t>6/19/19</a:t>
             </a:fld>
             <a:endParaRPr lang="en-US"/>
           </a:p>
@@ -1693,7 +1693,7 @@
           <a:lstStyle/>
           <a:p>
             <a:fld id="{2EB9D7B5-541E-7D4D-B8F4-D4B5922261F9}" type="datetimeFigureOut">
-              <a:t>6/10/19</a:t>
+              <a:t>6/19/19</a:t>
             </a:fld>
             <a:endParaRPr lang="en-US"/>
           </a:p>
@@ -1786,7 +1786,7 @@
           <a:lstStyle/>
           <a:p>
             <a:fld id="{2EB9D7B5-541E-7D4D-B8F4-D4B5922261F9}" type="datetimeFigureOut">
-              <a:t>6/10/19</a:t>
+              <a:t>6/19/19</a:t>
             </a:fld>
             <a:endParaRPr lang="en-US"/>
           </a:p>
@@ -2059,7 +2059,7 @@
           <a:lstStyle/>
           <a:p>
             <a:fld id="{2EB9D7B5-541E-7D4D-B8F4-D4B5922261F9}" type="datetimeFigureOut">
-              <a:t>6/10/19</a:t>
+              <a:t>6/19/19</a:t>
             </a:fld>
             <a:endParaRPr lang="en-US"/>
           </a:p>
@@ -2312,7 +2312,7 @@
           <a:lstStyle/>
           <a:p>
             <a:fld id="{2EB9D7B5-541E-7D4D-B8F4-D4B5922261F9}" type="datetimeFigureOut">
-              <a:t>6/10/19</a:t>
+              <a:t>6/19/19</a:t>
             </a:fld>
             <a:endParaRPr lang="en-US"/>
           </a:p>
@@ -2521,7 +2521,7 @@
           </a:lstStyle>
           <a:p>
             <a:fld id="{2EB9D7B5-541E-7D4D-B8F4-D4B5922261F9}" type="datetimeFigureOut">
-              <a:t>6/10/19</a:t>
+              <a:t>6/19/19</a:t>
             </a:fld>
             <a:endParaRPr lang="en-US"/>
           </a:p>
@@ -3072,7 +3072,7 @@
         <p:spPr>
           <a:xfrm>
             <a:off x="300106" y="3316367"/>
-            <a:ext cx="20796111" cy="1938992"/>
+            <a:ext cx="20796111" cy="1754326"/>
           </a:xfrm>
           <a:prstGeom prst="rect">
             <a:avLst/>
@@ -3087,7 +3087,7 @@
           <a:p>
             <a:pPr algn="ctr"/>
             <a:r>
-              <a:rPr lang="en-US" sz="6000" b="1">
+              <a:rPr lang="en-US" sz="5400" b="1">
                 <a:solidFill>
                   <a:srgbClr val="0070C0"/>
                 </a:solidFill>
@@ -3101,7 +3101,7 @@
           <a:p>
             <a:pPr algn="ctr"/>
             <a:r>
-              <a:rPr lang="en-US" sz="6000" b="1">
+              <a:rPr lang="en-US" sz="5400" b="1">
                 <a:solidFill>
                   <a:srgbClr val="0070C0"/>
                 </a:solidFill>
@@ -3128,7 +3128,7 @@
         </p:nvSpPr>
         <p:spPr>
           <a:xfrm>
-            <a:off x="1691030" y="5504914"/>
+            <a:off x="1691030" y="5392354"/>
             <a:ext cx="7668959" cy="646331"/>
           </a:xfrm>
           <a:prstGeom prst="rect">
@@ -3163,8 +3163,8 @@
         </p:nvSpPr>
         <p:spPr>
           <a:xfrm>
-            <a:off x="12658698" y="5504914"/>
-            <a:ext cx="6830781" cy="646331"/>
+            <a:off x="12640049" y="5141998"/>
+            <a:ext cx="7257179" cy="1089529"/>
           </a:xfrm>
           <a:prstGeom prst="rect">
             <a:avLst/>
@@ -3177,9 +3177,25 @@
           </a:bodyPr>
           <a:lstStyle/>
           <a:p>
+            <a:pPr>
+              <a:lnSpc>
+                <a:spcPct val="90000"/>
+              </a:lnSpc>
+            </a:pPr>
             <a:r>
               <a:rPr lang="en-US" sz="3600" b="1"/>
-              <a:t>SVTH: NGUYỄN LÊ PHAN - 1412807</a:t>
+              <a:t>SVTH 1: NGUYỄN LÊ PHAN – 1412807</a:t>
+            </a:r>
+          </a:p>
+          <a:p>
+            <a:pPr>
+              <a:lnSpc>
+                <a:spcPct val="90000"/>
+              </a:lnSpc>
+            </a:pPr>
+            <a:r>
+              <a:rPr lang="en-US" sz="3600" b="1"/>
+              <a:t>SVTH 2: MAI TUẤN KIỆT – 1411918</a:t>
             </a:r>
           </a:p>
         </p:txBody>
@@ -3206,7 +3222,7 @@
               <a:gd name="adj" fmla="val 5250"/>
             </a:avLst>
           </a:prstGeom>
-          <a:ln>
+          <a:ln w="50800">
             <a:solidFill>
               <a:srgbClr val="0070C0"/>
             </a:solidFill>
@@ -3245,7 +3261,7 @@
                 <a:ea typeface="Tahoma" panose="020B0604030504040204" pitchFamily="34" charset="0"/>
                 <a:cs typeface="Tahoma" panose="020B0604030504040204" pitchFamily="34" charset="0"/>
               </a:rPr>
-              <a:t>Việc áp phát hiện sớm các triệu chứng bất thường trên ảnh võng mạc mắt sẽ giúp ích cho việc điều trị sớm các bệnh về mắt, giúp bệnh nhân hạn chế tác hại do bệnh gây ra. Trong điều kiện số lượng ảnh võng mạc cần chẩn đoán quá lớn, sử dụng một phương pháp phát hiện bất thường tự động sẽ góp phần giảm tải cho chuyên gia chẩn đoán, xác định được mức độ ưu tiên cho ảnh có triệu chứng bệnh.</a:t>
+              <a:t>Việc phát hiện sớm các triệu chứng bất thường trên ảnh võng mạc mắt sẽ giúp ích cho việc điều trị sớm các bệnh về mắt, giúp bệnh nhân hạn chế tác hại do bệnh gây ra. Trong điều kiện số lượng ảnh võng mạc cần chẩn đoán quá lớn, sử dụng một phương pháp phát hiện bất thường tự động sẽ góp phần giảm tải cho chuyên gia chẩn đoán, xác định được mức độ ưu tiên cho ảnh có triệu chứng bệnh.</a:t>
             </a:r>
           </a:p>
         </p:txBody>
@@ -3272,7 +3288,7 @@
               <a:gd name="adj" fmla="val 5250"/>
             </a:avLst>
           </a:prstGeom>
-          <a:ln>
+          <a:ln w="50800">
             <a:solidFill>
               <a:srgbClr val="0070C0"/>
             </a:solidFill>
@@ -3311,7 +3327,7 @@
                 <a:ea typeface="Tahoma" panose="020B0604030504040204" pitchFamily="34" charset="0"/>
                 <a:cs typeface="Tahoma" panose="020B0604030504040204" pitchFamily="34" charset="0"/>
               </a:rPr>
-              <a:t>Xây dựng một phương pháp phát hiện các tổn thương sáng (bright lesions) trên ảnh võng mạc, bao gồm xuất tiết võng mạc (exudate), tổn thương hình bông gòn (cotton-wool spot), drusen (tích tụ chất béo) và xơ hoá dưới nền võng mạc (subretinal fibrosis).</a:t>
+              <a:t>Xây dựng một phương pháp phát hiện các tổn thương sáng (bright lesions) trên ảnh võng mạc, bao gồm xuất tiết võng mạc (exudate), tổn thương hình bông gòn (cotton-wool spot), drusen (tích tụ chất béo) và xơ hoá dưới nền võng mạc (subretinal fibrosis) và kết luận ảnh có tổn thương sáng hay không.</a:t>
             </a:r>
           </a:p>
         </p:txBody>
@@ -3514,7 +3530,7 @@
               <a:gd name="adj" fmla="val 5250"/>
             </a:avLst>
           </a:prstGeom>
-          <a:ln>
+          <a:ln w="50800">
             <a:solidFill>
               <a:srgbClr val="0070C0"/>
             </a:solidFill>
@@ -3570,7 +3586,7 @@
                 <a:ea typeface="Tahoma" panose="020B0604030504040204" pitchFamily="34" charset="0"/>
                 <a:cs typeface="Tahoma" panose="020B0604030504040204" pitchFamily="34" charset="0"/>
               </a:rPr>
-              <a:t>Độ nhạy cảm (sensitivity) ở mức khá 82.5%.</a:t>
+              <a:t>Đơn giản, dễ hiện thực</a:t>
             </a:r>
           </a:p>
           <a:p>
@@ -3609,21 +3625,7 @@
                 <a:ea typeface="Tahoma" panose="020B0604030504040204" pitchFamily="34" charset="0"/>
                 <a:cs typeface="Tahoma" panose="020B0604030504040204" pitchFamily="34" charset="0"/>
               </a:rPr>
-              <a:t>Độ cụ thể (specificity) còn thấp 75%.</a:t>
-            </a:r>
-          </a:p>
-          <a:p>
-            <a:pPr marL="457200" indent="-457200" algn="just">
-              <a:buFontTx/>
-              <a:buChar char="-"/>
-            </a:pPr>
-            <a:r>
-              <a:rPr lang="en-US" sz="3200">
-                <a:latin typeface="Tahoma" panose="020B0604030504040204" pitchFamily="34" charset="0"/>
-                <a:ea typeface="Tahoma" panose="020B0604030504040204" pitchFamily="34" charset="0"/>
-                <a:cs typeface="Tahoma" panose="020B0604030504040204" pitchFamily="34" charset="0"/>
-              </a:rPr>
-              <a:t>Độ chính xác (accuracy) đạt mức 78.75%</a:t>
+              <a:t>Độ chính xác (accuracy) còn thấp ở mức 80%.</a:t>
             </a:r>
           </a:p>
           <a:p>
@@ -3676,7 +3678,7 @@
           <a:prstGeom prst="roundRect">
             <a:avLst/>
           </a:prstGeom>
-          <a:ln>
+          <a:ln w="50800">
             <a:solidFill>
               <a:srgbClr val="0070C0"/>
             </a:solidFill>
@@ -3731,7 +3733,7 @@
           <a:prstGeom prst="roundRect">
             <a:avLst/>
           </a:prstGeom>
-          <a:ln>
+          <a:ln w="50800">
             <a:solidFill>
               <a:srgbClr val="0070C0"/>
             </a:solidFill>
@@ -3786,7 +3788,7 @@
           <a:prstGeom prst="roundRect">
             <a:avLst/>
           </a:prstGeom>
-          <a:ln>
+          <a:ln w="50800">
             <a:solidFill>
               <a:srgbClr val="0070C0"/>
             </a:solidFill>
@@ -3841,7 +3843,7 @@
           <a:prstGeom prst="roundRect">
             <a:avLst/>
           </a:prstGeom>
-          <a:ln>
+          <a:ln w="50800">
             <a:solidFill>
               <a:srgbClr val="0070C0"/>
             </a:solidFill>
@@ -3896,7 +3898,7 @@
           <a:prstGeom prst="roundRect">
             <a:avLst/>
           </a:prstGeom>
-          <a:ln>
+          <a:ln w="50800">
             <a:solidFill>
               <a:srgbClr val="0070C0"/>
             </a:solidFill>
@@ -3926,7 +3928,7 @@
                 <a:ea typeface="Tahoma" panose="020B0604030504040204" pitchFamily="34" charset="0"/>
                 <a:cs typeface="Tahoma" panose="020B0604030504040204" pitchFamily="34" charset="0"/>
               </a:rPr>
-              <a:t>Bước 5: Dựa vào kết quả bước 3 và 4, tái khởi tạo ảnh để loại bớt vật thể sáng không thuộc về tổn thương sáng.</a:t>
+              <a:t>Bước 5: Dựa vào kết quả bước 3 và 4, tái khởi tạo ảnh để loại bớt vật thể sáng không phải là tổn thương sáng.</a:t>
             </a:r>
           </a:p>
         </p:txBody>
@@ -3951,7 +3953,7 @@
           <a:prstGeom prst="roundRect">
             <a:avLst/>
           </a:prstGeom>
-          <a:ln>
+          <a:ln w="50800">
             <a:solidFill>
               <a:srgbClr val="0070C0"/>
             </a:solidFill>
@@ -3981,7 +3983,7 @@
                 <a:ea typeface="Tahoma" panose="020B0604030504040204" pitchFamily="34" charset="0"/>
                 <a:cs typeface="Tahoma" panose="020B0604030504040204" pitchFamily="34" charset="0"/>
               </a:rPr>
-              <a:t>Bước 6: Dựa vào kết quả bước 5, kết luận ảnh có tồn tại tổn thương sáng hay không dựa theo số pixel phát hiện được.</a:t>
+              <a:t>Bước 6: Dựa vào kết quả bước 5, kết luận ảnh có tồn tại tổn thương sáng hay không theo số pixel tổn thương phát hiện được.</a:t>
             </a:r>
           </a:p>
         </p:txBody>
@@ -4000,15 +4002,15 @@
         </p:nvSpPr>
         <p:spPr>
           <a:xfrm>
-            <a:off x="10795074" y="24899515"/>
-            <a:ext cx="10539130" cy="5157233"/>
+            <a:off x="10795074" y="26443754"/>
+            <a:ext cx="10539130" cy="3612994"/>
           </a:xfrm>
           <a:prstGeom prst="roundRect">
             <a:avLst>
               <a:gd name="adj" fmla="val 5250"/>
             </a:avLst>
           </a:prstGeom>
-          <a:ln>
+          <a:ln w="50800">
             <a:solidFill>
               <a:srgbClr val="0070C0"/>
             </a:solidFill>
@@ -4067,7 +4069,7 @@
                 <a:ea typeface="Tahoma" panose="020B0604030504040204" pitchFamily="34" charset="0"/>
                 <a:cs typeface="Tahoma" panose="020B0604030504040204" pitchFamily="34" charset="0"/>
               </a:rPr>
-              <a:t>Hướng mở rộng: tích hợp một giải thuật định vị đĩa quang (optic disc) có thể hoạt động tốt khi có tổn thương sáng. Cải thiện độ cụ thể và độ chính xác để tăng độ hiệu quả của phương pháp</a:t>
+              <a:t>Hướng mở rộng: tích hợp một giải thuật định vị đĩa quang (optic disc) có thể hoạt động tốt khi có tổn thương sáng. Cải thiện độ chính xác để tăng độ hiệu quả của phương pháp.</a:t>
             </a:r>
           </a:p>
           <a:p>
@@ -4440,6 +4442,75 @@
           </a:prstGeom>
         </p:spPr>
       </p:pic>
+      <p:sp>
+        <p:nvSpPr>
+          <p:cNvPr id="37" name="Rounded Rectangle 36">
+            <a:extLst>
+              <a:ext uri="{FF2B5EF4-FFF2-40B4-BE49-F238E27FC236}">
+                <a16:creationId xmlns:a16="http://schemas.microsoft.com/office/drawing/2014/main" id="{496233D9-56B9-9741-A74E-52ECEAC56471}"/>
+              </a:ext>
+            </a:extLst>
+          </p:cNvPr>
+          <p:cNvSpPr/>
+          <p:nvPr/>
+        </p:nvSpPr>
+        <p:spPr>
+          <a:xfrm>
+            <a:off x="10795074" y="24899514"/>
+            <a:ext cx="10539130" cy="1364535"/>
+          </a:xfrm>
+          <a:prstGeom prst="roundRect">
+            <a:avLst>
+              <a:gd name="adj" fmla="val 17717"/>
+            </a:avLst>
+          </a:prstGeom>
+          <a:ln w="50800">
+            <a:solidFill>
+              <a:srgbClr val="0070C0"/>
+            </a:solidFill>
+          </a:ln>
+        </p:spPr>
+        <p:style>
+          <a:lnRef idx="2">
+            <a:schemeClr val="accent6"/>
+          </a:lnRef>
+          <a:fillRef idx="1">
+            <a:schemeClr val="lt1"/>
+          </a:fillRef>
+          <a:effectRef idx="0">
+            <a:schemeClr val="accent6"/>
+          </a:effectRef>
+          <a:fontRef idx="minor">
+            <a:schemeClr val="dk1"/>
+          </a:fontRef>
+        </p:style>
+        <p:txBody>
+          <a:bodyPr rtlCol="0" anchor="t"/>
+          <a:lstStyle/>
+          <a:p>
+            <a:pPr algn="just"/>
+            <a:r>
+              <a:rPr lang="en-US" sz="3200" b="1">
+                <a:latin typeface="Tahoma" panose="020B0604030504040204" pitchFamily="34" charset="0"/>
+                <a:ea typeface="Tahoma" panose="020B0604030504040204" pitchFamily="34" charset="0"/>
+                <a:cs typeface="Tahoma" panose="020B0604030504040204" pitchFamily="34" charset="0"/>
+              </a:rPr>
+              <a:t>KẾT QUẢ ĐÁNH GIÁ:</a:t>
+            </a:r>
+          </a:p>
+          <a:p>
+            <a:pPr algn="just"/>
+            <a:r>
+              <a:rPr lang="en-US" sz="3200">
+                <a:latin typeface="Tahoma" panose="020B0604030504040204" pitchFamily="34" charset="0"/>
+                <a:ea typeface="Tahoma" panose="020B0604030504040204" pitchFamily="34" charset="0"/>
+                <a:cs typeface="Tahoma" panose="020B0604030504040204" pitchFamily="34" charset="0"/>
+              </a:rPr>
+              <a:t>Sensivitity: 77.5%; Specificity: 82.5%; Accuracy: 80%</a:t>
+            </a:r>
+          </a:p>
+        </p:txBody>
+      </p:sp>
     </p:spTree>
     <p:extLst>
       <p:ext uri="{BB962C8B-B14F-4D97-AF65-F5344CB8AC3E}">
